--- a/session.pptx
+++ b/session.pptx
@@ -242,7 +242,7 @@
           <a:p>
             <a:fld id="{36702E1A-4309-47CA-BF9D-20D513FEC06D}" type="datetime1">
               <a:rPr lang="en-GB" smtClean="0"/>
-              <a:t>21/06/2025</a:t>
+              <a:t>22/06/2025</a:t>
             </a:fld>
             <a:endParaRPr lang="en-GB" dirty="0"/>
           </a:p>
@@ -518,7 +518,7 @@
           <a:p>
             <a:fld id="{79B65606-8AB6-4739-A554-4A183DFFC6E8}" type="datetime1">
               <a:rPr lang="en-GB" smtClean="0"/>
-              <a:t>21/06/2025</a:t>
+              <a:t>22/06/2025</a:t>
             </a:fld>
             <a:endParaRPr lang="en-GB"/>
           </a:p>
@@ -886,7 +886,7 @@
           <a:p>
             <a:fld id="{F5731A8C-27EC-4535-9F2B-2E3DAF9B5315}" type="datetime1">
               <a:rPr lang="en-GB" smtClean="0"/>
-              <a:t>21/06/2025</a:t>
+              <a:t>22/06/2025</a:t>
             </a:fld>
             <a:endParaRPr lang="en-GB" dirty="0"/>
           </a:p>
@@ -1017,7 +1017,7 @@
           <a:p>
             <a:fld id="{1BDA8DE9-43A5-4CF3-9B56-E6119215D5B1}" type="datetime4">
               <a:rPr lang="en-GB" smtClean="0"/>
-              <a:t>21 June 2025</a:t>
+              <a:t>22 June 2025</a:t>
             </a:fld>
             <a:endParaRPr lang="en-GB" dirty="0"/>
           </a:p>
@@ -1713,7 +1713,7 @@
           <a:p>
             <a:fld id="{253D7B5E-43C7-4EA2-AE60-5AB8EE130018}" type="datetime4">
               <a:rPr lang="en-GB" smtClean="0"/>
-              <a:t>21 June 2025</a:t>
+              <a:t>22 June 2025</a:t>
             </a:fld>
             <a:endParaRPr lang="en-GB" dirty="0"/>
           </a:p>
@@ -3469,7 +3469,7 @@
           <a:p>
             <a:fld id="{253D7B5E-43C7-4EA2-AE60-5AB8EE130018}" type="datetime4">
               <a:rPr lang="en-GB" smtClean="0"/>
-              <a:t>21 June 2025</a:t>
+              <a:t>22 June 2025</a:t>
             </a:fld>
             <a:endParaRPr lang="en-GB" dirty="0"/>
           </a:p>
@@ -4127,7 +4127,7 @@
           <a:p>
             <a:fld id="{253D7B5E-43C7-4EA2-AE60-5AB8EE130018}" type="datetime4">
               <a:rPr lang="en-GB" smtClean="0"/>
-              <a:t>21 June 2025</a:t>
+              <a:t>22 June 2025</a:t>
             </a:fld>
             <a:endParaRPr lang="en-GB" dirty="0"/>
           </a:p>
@@ -4942,7 +4942,7 @@
           <a:p>
             <a:fld id="{253D7B5E-43C7-4EA2-AE60-5AB8EE130018}" type="datetime4">
               <a:rPr lang="en-GB" smtClean="0"/>
-              <a:t>21 June 2025</a:t>
+              <a:t>22 June 2025</a:t>
             </a:fld>
             <a:endParaRPr lang="en-GB" dirty="0"/>
           </a:p>
@@ -5730,7 +5730,7 @@
           <a:p>
             <a:fld id="{64FD3B72-A09A-4771-BDAD-EC292FC2D677}" type="datetime4">
               <a:rPr lang="en-GB" smtClean="0"/>
-              <a:t>21 June 2025</a:t>
+              <a:t>22 June 2025</a:t>
             </a:fld>
             <a:endParaRPr lang="en-GB" dirty="0"/>
           </a:p>
@@ -5929,7 +5929,7 @@
           <a:p>
             <a:fld id="{64FD3B72-A09A-4771-BDAD-EC292FC2D677}" type="datetime4">
               <a:rPr lang="en-GB" smtClean="0"/>
-              <a:t>21 June 2025</a:t>
+              <a:t>22 June 2025</a:t>
             </a:fld>
             <a:endParaRPr lang="en-GB" dirty="0"/>
           </a:p>
@@ -6211,7 +6211,7 @@
           <a:p>
             <a:fld id="{64FD3B72-A09A-4771-BDAD-EC292FC2D677}" type="datetime4">
               <a:rPr lang="en-GB" smtClean="0"/>
-              <a:t>21 June 2025</a:t>
+              <a:t>22 June 2025</a:t>
             </a:fld>
             <a:endParaRPr lang="en-GB" dirty="0"/>
           </a:p>
@@ -6499,7 +6499,7 @@
           <a:p>
             <a:fld id="{64FD3B72-A09A-4771-BDAD-EC292FC2D677}" type="datetime4">
               <a:rPr lang="en-GB" smtClean="0"/>
-              <a:t>21 June 2025</a:t>
+              <a:t>22 June 2025</a:t>
             </a:fld>
             <a:endParaRPr lang="en-GB" dirty="0"/>
           </a:p>
@@ -7049,7 +7049,7 @@
           <a:p>
             <a:fld id="{64FD3B72-A09A-4771-BDAD-EC292FC2D677}" type="datetime4">
               <a:rPr lang="en-GB" smtClean="0"/>
-              <a:t>21 June 2025</a:t>
+              <a:t>22 June 2025</a:t>
             </a:fld>
             <a:endParaRPr lang="en-GB" dirty="0"/>
           </a:p>
@@ -7624,7 +7624,7 @@
           <a:p>
             <a:fld id="{64FD3B72-A09A-4771-BDAD-EC292FC2D677}" type="datetime4">
               <a:rPr lang="en-GB" smtClean="0"/>
-              <a:t>21 June 2025</a:t>
+              <a:t>22 June 2025</a:t>
             </a:fld>
             <a:endParaRPr lang="en-GB" dirty="0"/>
           </a:p>
@@ -7871,7 +7871,7 @@
           <a:p>
             <a:fld id="{1BDA8DE9-43A5-4CF3-9B56-E6119215D5B1}" type="datetime4">
               <a:rPr lang="en-GB" smtClean="0"/>
-              <a:t>21 June 2025</a:t>
+              <a:t>22 June 2025</a:t>
             </a:fld>
             <a:endParaRPr lang="en-GB" dirty="0"/>
           </a:p>
@@ -10939,7 +10939,7 @@
           <a:p>
             <a:fld id="{7A6B2FDC-EEF7-445B-A20B-6950E9021128}" type="datetime1">
               <a:rPr lang="en-GB" smtClean="0"/>
-              <a:t>21/06/2025</a:t>
+              <a:t>22/06/2025</a:t>
             </a:fld>
             <a:endParaRPr lang="en-GB" dirty="0"/>
           </a:p>
@@ -12547,7 +12547,7 @@
           <a:p>
             <a:fld id="{6F52A3B9-C46E-47C2-A1FB-F5434525BDF4}" type="datetime4">
               <a:rPr lang="en-GB" smtClean="0"/>
-              <a:t>21 June 2025</a:t>
+              <a:t>22 June 2025</a:t>
             </a:fld>
             <a:endParaRPr lang="en-GB" dirty="0"/>
           </a:p>
@@ -12711,7 +12711,7 @@
           <a:p>
             <a:fld id="{1BDA8DE9-43A5-4CF3-9B56-E6119215D5B1}" type="datetime4">
               <a:rPr lang="en-GB" smtClean="0"/>
-              <a:t>21 June 2025</a:t>
+              <a:t>22 June 2025</a:t>
             </a:fld>
             <a:endParaRPr lang="en-GB" dirty="0"/>
           </a:p>
@@ -13266,7 +13266,7 @@
           <a:p>
             <a:fld id="{C6F33567-9933-4CE5-AA11-AB5C0D679CBF}" type="datetime4">
               <a:rPr lang="en-GB" smtClean="0"/>
-              <a:t>21 June 2025</a:t>
+              <a:t>22 June 2025</a:t>
             </a:fld>
             <a:endParaRPr lang="en-GB" dirty="0"/>
           </a:p>
@@ -13871,7 +13871,7 @@
           <a:p>
             <a:fld id="{C6F33567-9933-4CE5-AA11-AB5C0D679CBF}" type="datetime4">
               <a:rPr lang="en-GB" smtClean="0"/>
-              <a:t>21 June 2025</a:t>
+              <a:t>22 June 2025</a:t>
             </a:fld>
             <a:endParaRPr lang="en-GB" dirty="0"/>
           </a:p>
@@ -14611,7 +14611,7 @@
           <a:p>
             <a:fld id="{C6F33567-9933-4CE5-AA11-AB5C0D679CBF}" type="datetime4">
               <a:rPr lang="en-GB" smtClean="0"/>
-              <a:t>21 June 2025</a:t>
+              <a:t>22 June 2025</a:t>
             </a:fld>
             <a:endParaRPr lang="en-GB" dirty="0"/>
           </a:p>
@@ -15229,7 +15229,7 @@
           <a:p>
             <a:fld id="{253D7B5E-43C7-4EA2-AE60-5AB8EE130018}" type="datetime4">
               <a:rPr lang="en-GB" smtClean="0"/>
-              <a:t>21 June 2025</a:t>
+              <a:t>22 June 2025</a:t>
             </a:fld>
             <a:endParaRPr lang="en-GB" dirty="0"/>
           </a:p>
@@ -15645,7 +15645,7 @@
           <a:p>
             <a:fld id="{C6F33567-9933-4CE5-AA11-AB5C0D679CBF}" type="datetime4">
               <a:rPr lang="en-GB" smtClean="0"/>
-              <a:t>21 June 2025</a:t>
+              <a:t>22 June 2025</a:t>
             </a:fld>
             <a:endParaRPr lang="en-GB" dirty="0"/>
           </a:p>
@@ -16202,7 +16202,7 @@
           <a:p>
             <a:fld id="{253D7B5E-43C7-4EA2-AE60-5AB8EE130018}" type="datetime4">
               <a:rPr lang="en-GB" smtClean="0"/>
-              <a:t>21 June 2025</a:t>
+              <a:t>22 June 2025</a:t>
             </a:fld>
             <a:endParaRPr lang="en-GB" dirty="0"/>
           </a:p>
@@ -16704,7 +16704,7 @@
           <a:p>
             <a:fld id="{253D7B5E-43C7-4EA2-AE60-5AB8EE130018}" type="datetime4">
               <a:rPr lang="en-GB" smtClean="0"/>
-              <a:t>21 June 2025</a:t>
+              <a:t>22 June 2025</a:t>
             </a:fld>
             <a:endParaRPr lang="en-GB" dirty="0"/>
           </a:p>
@@ -17598,7 +17598,7 @@
           <a:p>
             <a:fld id="{1BDA8DE9-43A5-4CF3-9B56-E6119215D5B1}" type="datetime4">
               <a:rPr lang="en-GB" smtClean="0"/>
-              <a:t>21 June 2025</a:t>
+              <a:t>22 June 2025</a:t>
             </a:fld>
             <a:endParaRPr lang="en-GB" dirty="0"/>
           </a:p>
@@ -17680,9 +17680,26 @@
           <a:bodyPr/>
           <a:lstStyle/>
           <a:p>
+            <a:pPr>
+              <a:lnSpc>
+                <a:spcPct val="100000"/>
+              </a:lnSpc>
+            </a:pPr>
             <a:r>
               <a:rPr lang="en-US" dirty="0"/>
               <a:t>Who am I</a:t>
+            </a:r>
+            <a:br>
+              <a:rPr lang="en-US" dirty="0"/>
+            </a:br>
+            <a:r>
+              <a:rPr lang="en-US" sz="2400" dirty="0">
+                <a:solidFill>
+                  <a:schemeClr val="tx1"/>
+                </a:solidFill>
+                <a:latin typeface="Aptos" panose="020B0004020202020204" pitchFamily="34" charset="0"/>
+              </a:rPr>
+              <a:t>Josh Hendricks / Principle Engineer</a:t>
             </a:r>
           </a:p>
         </p:txBody>
@@ -17730,8 +17747,8 @@
         </p:nvSpPr>
         <p:spPr>
           <a:xfrm>
-            <a:off x="449263" y="1989138"/>
-            <a:ext cx="5646737" cy="4360862"/>
+            <a:off x="449263" y="2520176"/>
+            <a:ext cx="5646737" cy="3829824"/>
           </a:xfrm>
         </p:spPr>
         <p:txBody>
@@ -17747,6 +17764,12 @@
             <a:r>
               <a:rPr lang="en-US" dirty="0"/>
               <a:t>Microsoft MVP, Azure / PowerShell</a:t>
+            </a:r>
+          </a:p>
+          <a:p>
+            <a:r>
+              <a:rPr lang="en-US" dirty="0"/>
+              <a:t>Joined Milestone in 2006</a:t>
             </a:r>
           </a:p>
           <a:p>
@@ -17855,7 +17878,7 @@
           <a:p>
             <a:fld id="{C6F33567-9933-4CE5-AA11-AB5C0D679CBF}" type="datetime4">
               <a:rPr lang="en-GB" smtClean="0"/>
-              <a:t>21 June 2025</a:t>
+              <a:t>22 June 2025</a:t>
             </a:fld>
             <a:endParaRPr lang="en-GB" dirty="0"/>
           </a:p>
@@ -18399,6 +18422,53 @@
           <a:chExt cx="0" cy="0"/>
         </a:xfrm>
       </p:grpSpPr>
+      <p:pic>
+        <p:nvPicPr>
+          <p:cNvPr id="1026" name="Picture 2">
+            <a:extLst>
+              <a:ext uri="{FF2B5EF4-FFF2-40B4-BE49-F238E27FC236}">
+                <a16:creationId xmlns:a16="http://schemas.microsoft.com/office/drawing/2014/main" id="{09919158-B382-6336-FC08-5713EE0F7FD0}"/>
+              </a:ext>
+            </a:extLst>
+          </p:cNvPr>
+          <p:cNvPicPr>
+            <a:picLocks noChangeAspect="1" noChangeArrowheads="1"/>
+          </p:cNvPicPr>
+          <p:nvPr/>
+        </p:nvPicPr>
+        <p:blipFill>
+          <a:blip r:embed="rId4">
+            <a:extLst>
+              <a:ext uri="{28A0092B-C50C-407E-A947-70E740481C1C}">
+                <a14:useLocalDpi xmlns:a14="http://schemas.microsoft.com/office/drawing/2010/main" val="0"/>
+              </a:ext>
+            </a:extLst>
+          </a:blip>
+          <a:srcRect/>
+          <a:stretch>
+            <a:fillRect/>
+          </a:stretch>
+        </p:blipFill>
+        <p:spPr bwMode="auto">
+          <a:xfrm>
+            <a:off x="4192858" y="1247775"/>
+            <a:ext cx="11277600" cy="5610225"/>
+          </a:xfrm>
+          <a:prstGeom prst="rect">
+            <a:avLst/>
+          </a:prstGeom>
+          <a:noFill/>
+          <a:extLst>
+            <a:ext uri="{909E8E84-426E-40DD-AFC4-6F175D3DCCD1}">
+              <a14:hiddenFill xmlns:a14="http://schemas.microsoft.com/office/drawing/2010/main">
+                <a:solidFill>
+                  <a:srgbClr val="FFFFFF"/>
+                </a:solidFill>
+              </a14:hiddenFill>
+            </a:ext>
+          </a:extLst>
+        </p:spPr>
+      </p:pic>
       <p:sp>
         <p:nvSpPr>
           <p:cNvPr id="2" name="Date Placeholder 1" hidden="1">
@@ -18422,7 +18492,7 @@
           <a:p>
             <a:fld id="{C6F33567-9933-4CE5-AA11-AB5C0D679CBF}" type="datetime4">
               <a:rPr lang="en-GB" smtClean="0"/>
-              <a:t>21 June 2025</a:t>
+              <a:t>22 June 2025</a:t>
             </a:fld>
             <a:endParaRPr lang="en-GB" dirty="0"/>
           </a:p>
@@ -18508,6 +18578,72 @@
               <a:rPr lang="en-GB" dirty="0"/>
               <a:t>So, why PowerShell?</a:t>
             </a:r>
+            <a:br>
+              <a:rPr lang="en-GB" dirty="0"/>
+            </a:br>
+            <a:r>
+              <a:rPr lang="en-GB" sz="2400" dirty="0">
+                <a:solidFill>
+                  <a:schemeClr val="tx1"/>
+                </a:solidFill>
+                <a:latin typeface="Aptos" panose="020B0004020202020204" pitchFamily="34" charset="0"/>
+              </a:rPr>
+              <a:t>(why not bash, </a:t>
+            </a:r>
+            <a:r>
+              <a:rPr lang="en-GB" sz="2400" dirty="0" err="1">
+                <a:solidFill>
+                  <a:schemeClr val="tx1"/>
+                </a:solidFill>
+                <a:latin typeface="Aptos" panose="020B0004020202020204" pitchFamily="34" charset="0"/>
+              </a:rPr>
+              <a:t>zsh</a:t>
+            </a:r>
+            <a:r>
+              <a:rPr lang="en-GB" sz="2400" dirty="0">
+                <a:solidFill>
+                  <a:schemeClr val="tx1"/>
+                </a:solidFill>
+                <a:latin typeface="Aptos" panose="020B0004020202020204" pitchFamily="34" charset="0"/>
+              </a:rPr>
+              <a:t>, </a:t>
+            </a:r>
+            <a:r>
+              <a:rPr lang="en-GB" sz="2400" dirty="0" err="1">
+                <a:solidFill>
+                  <a:schemeClr val="tx1"/>
+                </a:solidFill>
+                <a:latin typeface="Aptos" panose="020B0004020202020204" pitchFamily="34" charset="0"/>
+              </a:rPr>
+              <a:t>nushell</a:t>
+            </a:r>
+            <a:r>
+              <a:rPr lang="en-GB" sz="2400" dirty="0">
+                <a:solidFill>
+                  <a:schemeClr val="tx1"/>
+                </a:solidFill>
+                <a:latin typeface="Aptos" panose="020B0004020202020204" pitchFamily="34" charset="0"/>
+              </a:rPr>
+              <a:t>, or… </a:t>
+            </a:r>
+            <a:r>
+              <a:rPr lang="en-GB" sz="2400" dirty="0" err="1">
+                <a:solidFill>
+                  <a:schemeClr val="tx1"/>
+                </a:solidFill>
+                <a:latin typeface="Aptos" panose="020B0004020202020204" pitchFamily="34" charset="0"/>
+              </a:rPr>
+              <a:t>cmd</a:t>
+            </a:r>
+            <a:r>
+              <a:rPr lang="en-GB" sz="2400" dirty="0">
+                <a:solidFill>
+                  <a:schemeClr val="tx1"/>
+                </a:solidFill>
+                <a:latin typeface="Aptos" panose="020B0004020202020204" pitchFamily="34" charset="0"/>
+              </a:rPr>
+              <a:t>?)</a:t>
+            </a:r>
           </a:p>
         </p:txBody>
       </p:sp>
@@ -18596,6 +18732,12 @@
             <a:r>
               <a:rPr lang="en-GB" dirty="0"/>
               <a:t>Rapidly prototype, or build tools/solutions directly in PowerShell</a:t>
+            </a:r>
+          </a:p>
+          <a:p>
+            <a:r>
+              <a:rPr lang="en-GB" dirty="0"/>
+              <a:t>PowerShell also works on Linux &amp; Mac (but not MilestonePSTools… yet)</a:t>
             </a:r>
           </a:p>
           <a:p>
@@ -18660,7 +18802,7 @@
           <a:p>
             <a:fld id="{1BDA8DE9-43A5-4CF3-9B56-E6119215D5B1}" type="datetime4">
               <a:rPr lang="en-GB" smtClean="0"/>
-              <a:t>21 June 2025</a:t>
+              <a:t>22 June 2025</a:t>
             </a:fld>
             <a:endParaRPr lang="en-GB" dirty="0"/>
           </a:p>
@@ -18801,6 +18943,36 @@
           </a:p>
         </p:txBody>
       </p:sp>
+      <p:pic>
+        <p:nvPicPr>
+          <p:cNvPr id="8" name="Picture 7">
+            <a:extLst>
+              <a:ext uri="{FF2B5EF4-FFF2-40B4-BE49-F238E27FC236}">
+                <a16:creationId xmlns:a16="http://schemas.microsoft.com/office/drawing/2014/main" id="{0755F4B8-563D-41FE-CF14-B4795F7CA117}"/>
+              </a:ext>
+            </a:extLst>
+          </p:cNvPr>
+          <p:cNvPicPr>
+            <a:picLocks noChangeAspect="1"/>
+          </p:cNvPicPr>
+          <p:nvPr/>
+        </p:nvPicPr>
+        <p:blipFill>
+          <a:blip r:embed="rId6"/>
+          <a:stretch>
+            <a:fillRect/>
+          </a:stretch>
+        </p:blipFill>
+        <p:spPr>
+          <a:xfrm>
+            <a:off x="449263" y="1167538"/>
+            <a:ext cx="5071634" cy="3482522"/>
+          </a:xfrm>
+          <a:prstGeom prst="rect">
+            <a:avLst/>
+          </a:prstGeom>
+        </p:spPr>
+      </p:pic>
     </p:spTree>
     <p:custDataLst>
       <p:custData r:id="rId1"/>
@@ -18858,7 +19030,7 @@
           <a:p>
             <a:fld id="{C6F33567-9933-4CE5-AA11-AB5C0D679CBF}" type="datetime4">
               <a:rPr lang="en-GB" smtClean="0"/>
-              <a:t>21 June 2025</a:t>
+              <a:t>22 June 2025</a:t>
             </a:fld>
             <a:endParaRPr lang="en-GB" dirty="0"/>
           </a:p>
@@ -19028,6 +19200,12 @@
             <a:r>
               <a:rPr lang="en-GB" sz="2800" dirty="0"/>
               <a:t>Generate a report documenting important aspects of your customer’s environment for support/troubleshooting purposes</a:t>
+            </a:r>
+          </a:p>
+          <a:p>
+            <a:r>
+              <a:rPr lang="en-GB" sz="2800" dirty="0"/>
+              <a:t>One more tool in your belt</a:t>
             </a:r>
           </a:p>
           <a:p>
@@ -19092,7 +19270,7 @@
           <a:p>
             <a:fld id="{253D7B5E-43C7-4EA2-AE60-5AB8EE130018}" type="datetime4">
               <a:rPr lang="en-GB" smtClean="0"/>
-              <a:t>21 June 2025</a:t>
+              <a:t>22 June 2025</a:t>
             </a:fld>
             <a:endParaRPr lang="en-GB" dirty="0"/>
           </a:p>
@@ -19233,34 +19411,42 @@
           <a:lstStyle/>
           <a:p>
             <a:r>
-              <a:rPr lang="en-GB" dirty="0"/>
+              <a:rPr lang="en-GB" sz="2400" dirty="0">
+                <a:latin typeface="Aptos" panose="020B0004020202020204" pitchFamily="34" charset="0"/>
+              </a:rPr>
               <a:t>Open session repo in Visual Studio Code</a:t>
             </a:r>
-          </a:p>
-        </p:txBody>
-      </p:sp>
-      <p:sp>
-        <p:nvSpPr>
-          <p:cNvPr id="9" name="Text Placeholder 8">
-            <a:extLst>
-              <a:ext uri="{FF2B5EF4-FFF2-40B4-BE49-F238E27FC236}">
-                <a16:creationId xmlns:a16="http://schemas.microsoft.com/office/drawing/2014/main" id="{B78B1627-A0EB-771A-CE28-61ED93DF007C}"/>
-              </a:ext>
-            </a:extLst>
-          </p:cNvPr>
-          <p:cNvSpPr>
-            <a:spLocks noGrp="1"/>
-          </p:cNvSpPr>
-          <p:nvPr>
-            <p:ph type="body" sz="quarter" idx="21"/>
-          </p:nvPr>
-        </p:nvSpPr>
-        <p:spPr/>
-        <p:txBody>
-          <a:bodyPr/>
-          <a:lstStyle/>
-          <a:p>
-            <a:endParaRPr lang="en-GB" dirty="0"/>
+            <a:br>
+              <a:rPr lang="en-GB" sz="2400" dirty="0">
+                <a:latin typeface="Aptos" panose="020B0004020202020204" pitchFamily="34" charset="0"/>
+              </a:rPr>
+            </a:br>
+            <a:r>
+              <a:rPr lang="en-GB" dirty="0">
+                <a:latin typeface="Aptos" panose="020B0004020202020204" pitchFamily="34" charset="0"/>
+              </a:rPr>
+              <a:t>(or your editor/IDE of choice)</a:t>
+            </a:r>
+            <a:br>
+              <a:rPr lang="en-GB" dirty="0">
+                <a:latin typeface="Aptos" panose="020B0004020202020204" pitchFamily="34" charset="0"/>
+              </a:rPr>
+            </a:br>
+            <a:br>
+              <a:rPr lang="en-GB" dirty="0">
+                <a:latin typeface="Aptos" panose="020B0004020202020204" pitchFamily="34" charset="0"/>
+              </a:rPr>
+            </a:br>
+            <a:r>
+              <a:rPr lang="en-GB" sz="2400" dirty="0">
+                <a:latin typeface="Aptos" panose="020B0004020202020204" pitchFamily="34" charset="0"/>
+                <a:hlinkClick r:id="rId4"/>
+              </a:rPr>
+              <a:t>github.com/joshooaj/pwshmipsession</a:t>
+            </a:r>
+            <a:endParaRPr lang="en-GB" sz="2400" dirty="0">
+              <a:latin typeface="Aptos" panose="020B0004020202020204" pitchFamily="34" charset="0"/>
+            </a:endParaRPr>
           </a:p>
         </p:txBody>
       </p:sp>
@@ -19281,7 +19467,7 @@
           </p:nvPr>
         </p:nvPicPr>
         <p:blipFill rotWithShape="1">
-          <a:blip r:embed="rId4">
+          <a:blip r:embed="rId5">
             <a:extLst>
               <a:ext uri="{28A0092B-C50C-407E-A947-70E740481C1C}">
                 <a14:useLocalDpi xmlns:a14="http://schemas.microsoft.com/office/drawing/2010/main" val="0"/>
@@ -19364,7 +19550,7 @@
           <a:p>
             <a:fld id="{64FD3B72-A09A-4771-BDAD-EC292FC2D677}" type="datetime4">
               <a:rPr lang="en-GB" smtClean="0"/>
-              <a:t>21 June 2025</a:t>
+              <a:t>22 June 2025</a:t>
             </a:fld>
             <a:endParaRPr lang="en-GB" dirty="0"/>
           </a:p>
@@ -20120,7 +20306,7 @@
 </file>
 
 <file path=customXml/item1.xml><?xml version="1.0" encoding="utf-8"?>
-<TemplafyTemplateConfiguration><![CDATA[{"elementsMetadata":[],"transformationConfigurations":[],"templateName":"Milestone PowerPoint Template 2025","templateDescription":"","enableDocumentContentUpdater":false,"version":"2.0"}]]></TemplafyTemplateConfiguration>
+<TemplafySlideFormConfiguration><![CDATA[{"formFields":[],"formDataEntries":[]}]]></TemplafySlideFormConfiguration>
 </file>
 
 <file path=customXml/item10.xml><?xml version="1.0" encoding="utf-8"?>
@@ -20128,31 +20314,31 @@
 </file>
 
 <file path=customXml/item11.xml><?xml version="1.0" encoding="utf-8"?>
-<TemplafySlideTemplateConfiguration><![CDATA[{"slideVersion":1,"isValidatorEnabled":false,"isLocked":false,"elementsMetadata":[],"slideId":"1089097526881812489","enableDocumentContentUpdater":false,"version":"2.0"}]]></TemplafySlideTemplateConfiguration>
+<TemplafySlideTemplateConfiguration><![CDATA[{"slideVersion":1,"isValidatorEnabled":false,"isLocked":false,"elementsMetadata":[],"slideId":"1089097526881812491","enableDocumentContentUpdater":false,"version":"2.0"}]]></TemplafySlideTemplateConfiguration>
 </file>
 
 <file path=customXml/item12.xml><?xml version="1.0" encoding="utf-8"?>
-<TemplafySlideTemplateConfiguration><![CDATA[{"slideVersion":1,"isValidatorEnabled":false,"isLocked":false,"elementsMetadata":[],"slideId":"1089097526881812480","enableDocumentContentUpdater":false,"version":"2.0"}]]></TemplafySlideTemplateConfiguration>
+<TemplafySlideFormConfiguration><![CDATA[{"formFields":[],"formDataEntries":[]}]]></TemplafySlideFormConfiguration>
 </file>
 
 <file path=customXml/item13.xml><?xml version="1.0" encoding="utf-8"?>
-<TemplafySlideTemplateConfiguration><![CDATA[{"slideVersion":1,"isValidatorEnabled":false,"isLocked":false,"elementsMetadata":[],"slideId":"1089097526881812484","enableDocumentContentUpdater":false,"version":"2.0"}]]></TemplafySlideTemplateConfiguration>
+<TemplafySlideTemplateConfiguration><![CDATA[{"slideVersion":1,"isValidatorEnabled":false,"isLocked":false,"elementsMetadata":[],"slideId":"1089097526881812486","enableDocumentContentUpdater":false,"version":"2.0"}]]></TemplafySlideTemplateConfiguration>
 </file>
 
 <file path=customXml/item14.xml><?xml version="1.0" encoding="utf-8"?>
+<TemplafySlideTemplateConfiguration><![CDATA[{"slideVersion":1,"isValidatorEnabled":false,"isLocked":false,"elementsMetadata":[],"slideId":"1089097526881812490","enableDocumentContentUpdater":false,"version":"2.0"}]]></TemplafySlideTemplateConfiguration>
+</file>
+
+<file path=customXml/item15.xml><?xml version="1.0" encoding="utf-8"?>
+<TemplafySlideTemplateConfiguration><![CDATA[{"slideVersion":1,"isValidatorEnabled":false,"isLocked":false,"elementsMetadata":[],"slideId":"1089097526881812483","enableDocumentContentUpdater":false,"version":"2.0"}]]></TemplafySlideTemplateConfiguration>
+</file>
+
+<file path=customXml/item16.xml><?xml version="1.0" encoding="utf-8"?>
 <TemplafySlideFormConfiguration><![CDATA[{"formFields":[],"formDataEntries":[]}]]></TemplafySlideFormConfiguration>
 </file>
 
-<file path=customXml/item15.xml><?xml version="1.0" encoding="utf-8"?>
-<TemplafySlideFormConfiguration><![CDATA[{"formFields":[],"formDataEntries":[]}]]></TemplafySlideFormConfiguration>
-</file>
-
-<file path=customXml/item16.xml><?xml version="1.0" encoding="utf-8"?>
-<TemplafySlideTemplateConfiguration><![CDATA[{"slideVersion":1,"isValidatorEnabled":false,"isLocked":false,"elementsMetadata":[],"slideId":"1089097526881812488","enableDocumentContentUpdater":false,"version":"2.0"}]]></TemplafySlideTemplateConfiguration>
-</file>
-
 <file path=customXml/item17.xml><?xml version="1.0" encoding="utf-8"?>
-<TemplafyFormConfiguration><![CDATA[{"formFields":[],"formDataEntries":[]}]]></TemplafyFormConfiguration>
+<TemplafySlideTemplateConfiguration><![CDATA[{"slideVersion":1,"isValidatorEnabled":false,"isLocked":false,"elementsMetadata":[],"slideId":"1089097526881812487","enableDocumentContentUpdater":false,"version":"2.0"}]]></TemplafySlideTemplateConfiguration>
 </file>
 
 <file path=customXml/item18.xml><?xml version="1.0" encoding="utf-8"?>
@@ -20160,7 +20346,7 @@
 </file>
 
 <file path=customXml/item19.xml><?xml version="1.0" encoding="utf-8"?>
-<TemplafySlideTemplateConfiguration><![CDATA[{"slideVersion":1,"isValidatorEnabled":false,"isLocked":false,"elementsMetadata":[],"slideId":"1089097526881812486","enableDocumentContentUpdater":false,"version":"2.0"}]]></TemplafySlideTemplateConfiguration>
+<TemplafySlideFormConfiguration><![CDATA[{"formFields":[],"formDataEntries":[]}]]></TemplafySlideFormConfiguration>
 </file>
 
 <file path=customXml/item2.xml><?xml version="1.0" encoding="utf-8"?>
@@ -20168,35 +20354,35 @@
 </file>
 
 <file path=customXml/item20.xml><?xml version="1.0" encoding="utf-8"?>
+<TemplafySlideTemplateConfiguration><![CDATA[{"slideVersion":1,"isValidatorEnabled":false,"isLocked":false,"elementsMetadata":[],"slideId":"1089097526881812480","enableDocumentContentUpdater":false,"version":"2.0"}]]></TemplafySlideTemplateConfiguration>
+</file>
+
+<file path=customXml/item21.xml><?xml version="1.0" encoding="utf-8"?>
+<TemplafyFormConfiguration><![CDATA[{"formFields":[],"formDataEntries":[]}]]></TemplafyFormConfiguration>
+</file>
+
+<file path=customXml/item22.xml><?xml version="1.0" encoding="utf-8"?>
+<TemplafySlideTemplateConfiguration><![CDATA[{"slideVersion":1,"isValidatorEnabled":false,"isLocked":false,"elementsMetadata":[],"slideId":"1089097526881812484","enableDocumentContentUpdater":false,"version":"2.0"}]]></TemplafySlideTemplateConfiguration>
+</file>
+
+<file path=customXml/item23.xml><?xml version="1.0" encoding="utf-8"?>
 <TemplafySlideFormConfiguration><![CDATA[{"formFields":[],"formDataEntries":[]}]]></TemplafySlideFormConfiguration>
 </file>
 
-<file path=customXml/item21.xml><?xml version="1.0" encoding="utf-8"?>
+<file path=customXml/item24.xml><?xml version="1.0" encoding="utf-8"?>
 <TemplafySlideTemplateConfiguration><![CDATA[{"slideVersion":1,"isValidatorEnabled":false,"isLocked":false,"elementsMetadata":[],"slideId":"1089097526881812485","enableDocumentContentUpdater":false,"version":"2.0"}]]></TemplafySlideTemplateConfiguration>
 </file>
 
-<file path=customXml/item22.xml><?xml version="1.0" encoding="utf-8"?>
-<TemplafySlideTemplateConfiguration><![CDATA[{"slideVersion":1,"isValidatorEnabled":false,"isLocked":false,"elementsMetadata":[],"slideId":"1089097526881812487","enableDocumentContentUpdater":false,"version":"2.0"}]]></TemplafySlideTemplateConfiguration>
+<file path=customXml/item3.xml><?xml version="1.0" encoding="utf-8"?>
+<TemplafySlideTemplateConfiguration><![CDATA[{"slideVersion":1,"isValidatorEnabled":false,"isLocked":false,"elementsMetadata":[],"slideId":"1089097526881812488","enableDocumentContentUpdater":false,"version":"2.0"}]]></TemplafySlideTemplateConfiguration>
 </file>
 
-<file path=customXml/item23.xml><?xml version="1.0" encoding="utf-8"?>
-<TemplafySlideTemplateConfiguration><![CDATA[{"slideVersion":1,"isValidatorEnabled":false,"isLocked":false,"elementsMetadata":[],"slideId":"1089097526881812491","enableDocumentContentUpdater":false,"version":"2.0"}]]></TemplafySlideTemplateConfiguration>
-</file>
-
-<file path=customXml/item24.xml><?xml version="1.0" encoding="utf-8"?>
+<file path=customXml/item4.xml><?xml version="1.0" encoding="utf-8"?>
 <TemplafySlideFormConfiguration><![CDATA[{"formFields":[],"formDataEntries":[]}]]></TemplafySlideFormConfiguration>
 </file>
 
-<file path=customXml/item3.xml><?xml version="1.0" encoding="utf-8"?>
-<TemplafySlideFormConfiguration><![CDATA[{"formFields":[],"formDataEntries":[]}]]></TemplafySlideFormConfiguration>
-</file>
-
-<file path=customXml/item4.xml><?xml version="1.0" encoding="utf-8"?>
-<TemplafySlideTemplateConfiguration><![CDATA[{"slideVersion":1,"isValidatorEnabled":false,"isLocked":false,"elementsMetadata":[],"slideId":"1089097526881812490","enableDocumentContentUpdater":false,"version":"2.0"}]]></TemplafySlideTemplateConfiguration>
-</file>
-
 <file path=customXml/item5.xml><?xml version="1.0" encoding="utf-8"?>
-<TemplafySlideTemplateConfiguration><![CDATA[{"slideVersion":1,"isValidatorEnabled":false,"isLocked":false,"elementsMetadata":[],"slideId":"1089097526881812481","enableDocumentContentUpdater":false,"version":"2.0"}]]></TemplafySlideTemplateConfiguration>
+<TemplafyTemplateConfiguration><![CDATA[{"elementsMetadata":[],"transformationConfigurations":[],"templateName":"Milestone PowerPoint Template 2025","templateDescription":"","enableDocumentContentUpdater":false,"version":"2.0"}]]></TemplafyTemplateConfiguration>
 </file>
 
 <file path=customXml/item6.xml><?xml version="1.0" encoding="utf-8"?>
@@ -20204,7 +20390,7 @@
 </file>
 
 <file path=customXml/item7.xml><?xml version="1.0" encoding="utf-8"?>
-<TemplafySlideFormConfiguration><![CDATA[{"formFields":[],"formDataEntries":[]}]]></TemplafySlideFormConfiguration>
+<TemplafySlideTemplateConfiguration><![CDATA[{"slideVersion":1,"isValidatorEnabled":false,"isLocked":false,"elementsMetadata":[],"slideId":"1089097526881812489","enableDocumentContentUpdater":false,"version":"2.0"}]]></TemplafySlideTemplateConfiguration>
 </file>
 
 <file path=customXml/item8.xml><?xml version="1.0" encoding="utf-8"?>
@@ -20212,71 +20398,71 @@
 </file>
 
 <file path=customXml/item9.xml><?xml version="1.0" encoding="utf-8"?>
-<TemplafySlideTemplateConfiguration><![CDATA[{"slideVersion":1,"isValidatorEnabled":false,"isLocked":false,"elementsMetadata":[],"slideId":"1089097526881812483","enableDocumentContentUpdater":false,"version":"2.0"}]]></TemplafySlideTemplateConfiguration>
+<TemplafySlideTemplateConfiguration><![CDATA[{"slideVersion":1,"isValidatorEnabled":false,"isLocked":false,"elementsMetadata":[],"slideId":"1089097526881812481","enableDocumentContentUpdater":false,"version":"2.0"}]]></TemplafySlideTemplateConfiguration>
 </file>
 
 <file path=customXml/itemProps1.xml><?xml version="1.0" encoding="utf-8"?>
-<ds:datastoreItem xmlns:ds="http://schemas.openxmlformats.org/officeDocument/2006/customXml" ds:itemID="{C6401B1A-E769-4A2B-AE69-F0C7B7A1D04B}">
+<ds:datastoreItem xmlns:ds="http://schemas.openxmlformats.org/officeDocument/2006/customXml" ds:itemID="{90046CD0-3CF3-43DA-844F-5BC7BE44613D}">
   <ds:schemaRefs/>
 </ds:datastoreItem>
 </file>
 
 <file path=customXml/itemProps10.xml><?xml version="1.0" encoding="utf-8"?>
+<ds:datastoreItem xmlns:ds="http://schemas.openxmlformats.org/officeDocument/2006/customXml" ds:itemID="{D5F0EA41-9C2D-4269-BD99-652174923522}">
+  <ds:schemaRefs/>
+</ds:datastoreItem>
+</file>
+
+<file path=customXml/itemProps11.xml><?xml version="1.0" encoding="utf-8"?>
+<ds:datastoreItem xmlns:ds="http://schemas.openxmlformats.org/officeDocument/2006/customXml" ds:itemID="{FA0737F8-FE44-404A-BD64-5F8CCAE1741F}">
+  <ds:schemaRefs/>
+</ds:datastoreItem>
+</file>
+
+<file path=customXml/itemProps12.xml><?xml version="1.0" encoding="utf-8"?>
 <ds:datastoreItem xmlns:ds="http://schemas.openxmlformats.org/officeDocument/2006/customXml" ds:itemID="{120510BE-FE5B-4B40-B81E-FDF44AEFF89E}">
   <ds:schemaRefs/>
 </ds:datastoreItem>
 </file>
 
-<file path=customXml/itemProps11.xml><?xml version="1.0" encoding="utf-8"?>
-<ds:datastoreItem xmlns:ds="http://schemas.openxmlformats.org/officeDocument/2006/customXml" ds:itemID="{584D27B4-916C-437F-BB98-D6F3F60AE2BB}">
-  <ds:schemaRefs/>
-</ds:datastoreItem>
-</file>
-
-<file path=customXml/itemProps12.xml><?xml version="1.0" encoding="utf-8"?>
-<ds:datastoreItem xmlns:ds="http://schemas.openxmlformats.org/officeDocument/2006/customXml" ds:itemID="{E744E19A-B5DB-4FC7-960A-5249DF35A908}">
-  <ds:schemaRefs/>
-</ds:datastoreItem>
-</file>
-
 <file path=customXml/itemProps13.xml><?xml version="1.0" encoding="utf-8"?>
-<ds:datastoreItem xmlns:ds="http://schemas.openxmlformats.org/officeDocument/2006/customXml" ds:itemID="{B4CCE234-B59C-4431-9EBF-E85B95374574}">
+<ds:datastoreItem xmlns:ds="http://schemas.openxmlformats.org/officeDocument/2006/customXml" ds:itemID="{A14F402B-840B-40A0-AB21-30619643B2B2}">
   <ds:schemaRefs/>
 </ds:datastoreItem>
 </file>
 
 <file path=customXml/itemProps14.xml><?xml version="1.0" encoding="utf-8"?>
+<ds:datastoreItem xmlns:ds="http://schemas.openxmlformats.org/officeDocument/2006/customXml" ds:itemID="{CCB91F90-7BC8-458F-AC08-ADF428D95EE9}">
+  <ds:schemaRefs/>
+</ds:datastoreItem>
+</file>
+
+<file path=customXml/itemProps15.xml><?xml version="1.0" encoding="utf-8"?>
+<ds:datastoreItem xmlns:ds="http://schemas.openxmlformats.org/officeDocument/2006/customXml" ds:itemID="{8DAB37A6-81B6-4E58-BB23-22D1A7C52795}">
+  <ds:schemaRefs/>
+</ds:datastoreItem>
+</file>
+
+<file path=customXml/itemProps16.xml><?xml version="1.0" encoding="utf-8"?>
 <ds:datastoreItem xmlns:ds="http://schemas.openxmlformats.org/officeDocument/2006/customXml" ds:itemID="{148B22A4-210C-4EF0-B4AF-51FCA106E056}">
   <ds:schemaRefs/>
 </ds:datastoreItem>
 </file>
 
-<file path=customXml/itemProps15.xml><?xml version="1.0" encoding="utf-8"?>
-<ds:datastoreItem xmlns:ds="http://schemas.openxmlformats.org/officeDocument/2006/customXml" ds:itemID="{D5F0EA41-9C2D-4269-BD99-652174923522}">
-  <ds:schemaRefs/>
-</ds:datastoreItem>
-</file>
-
-<file path=customXml/itemProps16.xml><?xml version="1.0" encoding="utf-8"?>
-<ds:datastoreItem xmlns:ds="http://schemas.openxmlformats.org/officeDocument/2006/customXml" ds:itemID="{8F338180-2676-409E-9C2E-830E8162E375}">
-  <ds:schemaRefs/>
-</ds:datastoreItem>
-</file>
-
 <file path=customXml/itemProps17.xml><?xml version="1.0" encoding="utf-8"?>
-<ds:datastoreItem xmlns:ds="http://schemas.openxmlformats.org/officeDocument/2006/customXml" ds:itemID="{4FC6F404-EBF3-49DD-8B73-D6ECD061ED0D}">
+<ds:datastoreItem xmlns:ds="http://schemas.openxmlformats.org/officeDocument/2006/customXml" ds:itemID="{270E9141-8CC6-46F5-97E8-D27C4DADBFF6}">
   <ds:schemaRefs/>
 </ds:datastoreItem>
 </file>
 
 <file path=customXml/itemProps18.xml><?xml version="1.0" encoding="utf-8"?>
-<ds:datastoreItem xmlns:ds="http://schemas.openxmlformats.org/officeDocument/2006/customXml" ds:itemID="{11F72118-51EB-450E-9D9F-910711C25490}">
+<ds:datastoreItem xmlns:ds="http://schemas.openxmlformats.org/officeDocument/2006/customXml" ds:itemID="{3D8CA6C7-CC62-435E-8741-8377551643B5}">
   <ds:schemaRefs/>
 </ds:datastoreItem>
 </file>
 
 <file path=customXml/itemProps19.xml><?xml version="1.0" encoding="utf-8"?>
-<ds:datastoreItem xmlns:ds="http://schemas.openxmlformats.org/officeDocument/2006/customXml" ds:itemID="{A14F402B-840B-40A0-AB21-30619643B2B2}">
+<ds:datastoreItem xmlns:ds="http://schemas.openxmlformats.org/officeDocument/2006/customXml" ds:itemID="{C414828F-FFC1-41BF-99BF-AAF56766BC12}">
   <ds:schemaRefs/>
 </ds:datastoreItem>
 </file>
@@ -20288,49 +20474,49 @@
 </file>
 
 <file path=customXml/itemProps20.xml><?xml version="1.0" encoding="utf-8"?>
+<ds:datastoreItem xmlns:ds="http://schemas.openxmlformats.org/officeDocument/2006/customXml" ds:itemID="{E744E19A-B5DB-4FC7-960A-5249DF35A908}">
+  <ds:schemaRefs/>
+</ds:datastoreItem>
+</file>
+
+<file path=customXml/itemProps21.xml><?xml version="1.0" encoding="utf-8"?>
+<ds:datastoreItem xmlns:ds="http://schemas.openxmlformats.org/officeDocument/2006/customXml" ds:itemID="{4FC6F404-EBF3-49DD-8B73-D6ECD061ED0D}">
+  <ds:schemaRefs/>
+</ds:datastoreItem>
+</file>
+
+<file path=customXml/itemProps22.xml><?xml version="1.0" encoding="utf-8"?>
+<ds:datastoreItem xmlns:ds="http://schemas.openxmlformats.org/officeDocument/2006/customXml" ds:itemID="{B4CCE234-B59C-4431-9EBF-E85B95374574}">
+  <ds:schemaRefs/>
+</ds:datastoreItem>
+</file>
+
+<file path=customXml/itemProps23.xml><?xml version="1.0" encoding="utf-8"?>
+<ds:datastoreItem xmlns:ds="http://schemas.openxmlformats.org/officeDocument/2006/customXml" ds:itemID="{11F72118-51EB-450E-9D9F-910711C25490}">
+  <ds:schemaRefs/>
+</ds:datastoreItem>
+</file>
+
+<file path=customXml/itemProps24.xml><?xml version="1.0" encoding="utf-8"?>
+<ds:datastoreItem xmlns:ds="http://schemas.openxmlformats.org/officeDocument/2006/customXml" ds:itemID="{459FFC16-BF2E-4A2C-BF7A-B6A26B4EE431}">
+  <ds:schemaRefs/>
+</ds:datastoreItem>
+</file>
+
+<file path=customXml/itemProps3.xml><?xml version="1.0" encoding="utf-8"?>
+<ds:datastoreItem xmlns:ds="http://schemas.openxmlformats.org/officeDocument/2006/customXml" ds:itemID="{8F338180-2676-409E-9C2E-830E8162E375}">
+  <ds:schemaRefs/>
+</ds:datastoreItem>
+</file>
+
+<file path=customXml/itemProps4.xml><?xml version="1.0" encoding="utf-8"?>
 <ds:datastoreItem xmlns:ds="http://schemas.openxmlformats.org/officeDocument/2006/customXml" ds:itemID="{A61324E7-A524-4537-BB41-BED40F521296}">
   <ds:schemaRefs/>
 </ds:datastoreItem>
 </file>
 
-<file path=customXml/itemProps21.xml><?xml version="1.0" encoding="utf-8"?>
-<ds:datastoreItem xmlns:ds="http://schemas.openxmlformats.org/officeDocument/2006/customXml" ds:itemID="{459FFC16-BF2E-4A2C-BF7A-B6A26B4EE431}">
-  <ds:schemaRefs/>
-</ds:datastoreItem>
-</file>
-
-<file path=customXml/itemProps22.xml><?xml version="1.0" encoding="utf-8"?>
-<ds:datastoreItem xmlns:ds="http://schemas.openxmlformats.org/officeDocument/2006/customXml" ds:itemID="{270E9141-8CC6-46F5-97E8-D27C4DADBFF6}">
-  <ds:schemaRefs/>
-</ds:datastoreItem>
-</file>
-
-<file path=customXml/itemProps23.xml><?xml version="1.0" encoding="utf-8"?>
-<ds:datastoreItem xmlns:ds="http://schemas.openxmlformats.org/officeDocument/2006/customXml" ds:itemID="{FA0737F8-FE44-404A-BD64-5F8CCAE1741F}">
-  <ds:schemaRefs/>
-</ds:datastoreItem>
-</file>
-
-<file path=customXml/itemProps24.xml><?xml version="1.0" encoding="utf-8"?>
-<ds:datastoreItem xmlns:ds="http://schemas.openxmlformats.org/officeDocument/2006/customXml" ds:itemID="{5FF127EA-AA93-4388-AFCB-052268C541FE}">
-  <ds:schemaRefs/>
-</ds:datastoreItem>
-</file>
-
-<file path=customXml/itemProps3.xml><?xml version="1.0" encoding="utf-8"?>
-<ds:datastoreItem xmlns:ds="http://schemas.openxmlformats.org/officeDocument/2006/customXml" ds:itemID="{C414828F-FFC1-41BF-99BF-AAF56766BC12}">
-  <ds:schemaRefs/>
-</ds:datastoreItem>
-</file>
-
-<file path=customXml/itemProps4.xml><?xml version="1.0" encoding="utf-8"?>
-<ds:datastoreItem xmlns:ds="http://schemas.openxmlformats.org/officeDocument/2006/customXml" ds:itemID="{CCB91F90-7BC8-458F-AC08-ADF428D95EE9}">
-  <ds:schemaRefs/>
-</ds:datastoreItem>
-</file>
-
 <file path=customXml/itemProps5.xml><?xml version="1.0" encoding="utf-8"?>
-<ds:datastoreItem xmlns:ds="http://schemas.openxmlformats.org/officeDocument/2006/customXml" ds:itemID="{34182193-E5F6-4F6B-AC1B-198DA86FB381}">
+<ds:datastoreItem xmlns:ds="http://schemas.openxmlformats.org/officeDocument/2006/customXml" ds:itemID="{C6401B1A-E769-4A2B-AE69-F0C7B7A1D04B}">
   <ds:schemaRefs/>
 </ds:datastoreItem>
 </file>
@@ -20342,19 +20528,19 @@
 </file>
 
 <file path=customXml/itemProps7.xml><?xml version="1.0" encoding="utf-8"?>
-<ds:datastoreItem xmlns:ds="http://schemas.openxmlformats.org/officeDocument/2006/customXml" ds:itemID="{90046CD0-3CF3-43DA-844F-5BC7BE44613D}">
+<ds:datastoreItem xmlns:ds="http://schemas.openxmlformats.org/officeDocument/2006/customXml" ds:itemID="{584D27B4-916C-437F-BB98-D6F3F60AE2BB}">
   <ds:schemaRefs/>
 </ds:datastoreItem>
 </file>
 
 <file path=customXml/itemProps8.xml><?xml version="1.0" encoding="utf-8"?>
-<ds:datastoreItem xmlns:ds="http://schemas.openxmlformats.org/officeDocument/2006/customXml" ds:itemID="{3D8CA6C7-CC62-435E-8741-8377551643B5}">
+<ds:datastoreItem xmlns:ds="http://schemas.openxmlformats.org/officeDocument/2006/customXml" ds:itemID="{5FF127EA-AA93-4388-AFCB-052268C541FE}">
   <ds:schemaRefs/>
 </ds:datastoreItem>
 </file>
 
 <file path=customXml/itemProps9.xml><?xml version="1.0" encoding="utf-8"?>
-<ds:datastoreItem xmlns:ds="http://schemas.openxmlformats.org/officeDocument/2006/customXml" ds:itemID="{8DAB37A6-81B6-4E58-BB23-22D1A7C52795}">
+<ds:datastoreItem xmlns:ds="http://schemas.openxmlformats.org/officeDocument/2006/customXml" ds:itemID="{34182193-E5F6-4F6B-AC1B-198DA86FB381}">
   <ds:schemaRefs/>
 </ds:datastoreItem>
 </file>